--- a/Desktop/happyoukai_honban/発表会_田端政裕.pptx
+++ b/Desktop/happyoukai_honban/発表会_田端政裕.pptx
@@ -131,7 +131,7 @@
 <file path=ppt/revisionInfo.xml><?xml version="1.0" encoding="utf-8"?>
 <p1510:revInfo xmlns:a="http://schemas.openxmlformats.org/drawingml/2006/main" xmlns:r="http://schemas.openxmlformats.org/officeDocument/2006/relationships" xmlns:p1510="http://schemas.microsoft.com/office/powerpoint/2015/10/main">
   <p1510:revLst>
-    <p1510:client id="{2DE303E0-89E7-1433-4BE3-B5D3E53DD5CB}" v="288" dt="2025-01-29T14:47:07.017"/>
+    <p1510:client id="{2DE303E0-89E7-1433-4BE3-B5D3E53DD5CB}" v="294" dt="2025-01-29T14:58:33.016"/>
     <p1510:client id="{C04272B2-C6A8-3440-B961-ED43921EB0D6}" v="5" dt="2025-01-29T13:38:02.570"/>
   </p1510:revLst>
 </p1510:revInfo>
@@ -7476,6 +7476,7 @@
               <a:rPr lang="ja-JP" dirty="0">
                 <a:ea typeface="+mn-lt"/>
                 <a:cs typeface="+mn-lt"/>
+                <a:hlinkClick r:id="rId3"/>
               </a:rPr>
               <a:t>https://www.notion.so/18995ed3504a807f8a14f3b0658cba91</a:t>
             </a:r>
@@ -7609,6 +7610,7 @@
               <a:rPr lang="en-US" altLang="ja-JP" dirty="0">
                 <a:ea typeface="+mn-lt"/>
                 <a:cs typeface="+mn-lt"/>
+                <a:hlinkClick r:id="rId3"/>
               </a:rPr>
               <a:t>https://www.notion.so/js_TODO-18595ed3504a800291a5d4eace12fecf</a:t>
             </a:r>
@@ -7738,6 +7740,7 @@
               <a:rPr lang="en-US" altLang="ja-JP" dirty="0">
                 <a:ea typeface="+mn-lt"/>
                 <a:cs typeface="+mn-lt"/>
+                <a:hlinkClick r:id="rId3"/>
               </a:rPr>
               <a:t>https://www.notion.so/js_-18695ed3504a80ad8c02d938f33363e6</a:t>
             </a:r>
@@ -7858,6 +7861,7 @@
               <a:rPr lang="en-US" dirty="0">
                 <a:ea typeface="+mn-lt"/>
                 <a:cs typeface="+mn-lt"/>
+                <a:hlinkClick r:id="rId3"/>
               </a:rPr>
               <a:t>https://www.notion.so/js_-18595ed3504a8042a88de079387bc0a6</a:t>
             </a:r>
@@ -7987,6 +7991,7 @@
               <a:rPr lang="en-US" altLang="ja-JP" dirty="0">
                 <a:ea typeface="+mn-lt"/>
                 <a:cs typeface="+mn-lt"/>
+                <a:hlinkClick r:id="rId3"/>
               </a:rPr>
               <a:t>https://www.notion.so/js_-18595ed3504a80708a97fb6f17a9e70a</a:t>
             </a:r>
@@ -8118,6 +8123,7 @@
               <a:rPr lang="en-US" dirty="0">
                 <a:ea typeface="+mn-lt"/>
                 <a:cs typeface="+mn-lt"/>
+                <a:hlinkClick r:id="rId3"/>
               </a:rPr>
               <a:t>https://www.notion.so/18a95ed3504a80878d74c1b631b95043?showMoveTo=true&amp;saveParent=true</a:t>
             </a:r>

--- a/Desktop/happyoukai_honban/発表会_田端政裕.pptx
+++ b/Desktop/happyoukai_honban/発表会_田端政裕.pptx
@@ -131,7 +131,7 @@
 <file path=ppt/revisionInfo.xml><?xml version="1.0" encoding="utf-8"?>
 <p1510:revInfo xmlns:a="http://schemas.openxmlformats.org/drawingml/2006/main" xmlns:r="http://schemas.openxmlformats.org/officeDocument/2006/relationships" xmlns:p1510="http://schemas.microsoft.com/office/powerpoint/2015/10/main">
   <p1510:revLst>
-    <p1510:client id="{2DE303E0-89E7-1433-4BE3-B5D3E53DD5CB}" v="294" dt="2025-01-29T14:58:33.016"/>
+    <p1510:client id="{2DE303E0-89E7-1433-4BE3-B5D3E53DD5CB}" v="296" dt="2025-01-29T15:00:55.307"/>
     <p1510:client id="{C04272B2-C6A8-3440-B961-ED43921EB0D6}" v="5" dt="2025-01-29T13:38:02.570"/>
   </p1510:revLst>
 </p1510:revInfo>
@@ -6419,6 +6419,7 @@
               <a:rPr lang="en-US" dirty="0">
                 <a:ea typeface="+mn-lt"/>
                 <a:cs typeface="+mn-lt"/>
+                <a:hlinkClick r:id="rId6"/>
               </a:rPr>
               <a:t>https://www.globalnote.jp/post-1409.html</a:t>
             </a:r>
@@ -6459,6 +6460,7 @@
               <a:rPr lang="en-US" altLang="ja-JP" dirty="0">
                 <a:ea typeface="+mn-lt"/>
                 <a:cs typeface="+mn-lt"/>
+                <a:hlinkClick r:id="rId7"/>
               </a:rPr>
               <a:t>https://www.mofa.go.jp/mofaj/kids/ranking/gnp_1.html</a:t>
             </a:r>
